--- a/thesis/thesis_presentation.pptx
+++ b/thesis/thesis_presentation.pptx
@@ -142,6 +142,11 @@
       </a:defRPr>
     </a:lvl9pPr>
   </p:defaultTextStyle>
+  <p:extLst>
+    <p:ext uri="{EFAFB233-063F-42B5-8137-9DF3F51BA10A}">
+      <p15:sldGuideLst xmlns:p15="http://schemas.microsoft.com/office/powerpoint/2012/main"/>
+    </p:ext>
+  </p:extLst>
 </p:presentation>
 </file>
 
@@ -6313,7 +6318,7 @@
           <a:lstStyle/>
           <a:p>
             <a:r>
-              <a:rPr lang="en-US"/>
+              <a:rPr lang="en-US" dirty="0"/>
               <a:t>Activity Benchmark</a:t>
             </a:r>
             <a:endParaRPr lang="en-AT" dirty="0"/>
@@ -7500,7 +7505,7 @@
                     <a:p>
                       <a:pPr algn="l" fontAlgn="b"/>
                       <a:r>
-                        <a:rPr lang="en-US" sz="2000" b="0" i="0" u="none" strike="noStrike">
+                        <a:rPr lang="en-US" sz="2000" b="0" i="0" u="none" strike="noStrike" dirty="0" err="1">
                           <a:solidFill>
                             <a:srgbClr val="000000"/>
                           </a:solidFill>
@@ -7509,6 +7514,13 @@
                         </a:rPr>
                         <a:t>memory_augmented_transformer</a:t>
                       </a:r>
+                      <a:endParaRPr lang="en-US" sz="2000" b="0" i="0" u="none" strike="noStrike" dirty="0">
+                        <a:solidFill>
+                          <a:srgbClr val="000000"/>
+                        </a:solidFill>
+                        <a:effectLst/>
+                        <a:latin typeface="Calibri" panose="020F0502020204030204" pitchFamily="34" charset="0"/>
+                      </a:endParaRPr>
                     </a:p>
                   </a:txBody>
                   <a:tcPr marL="9525" marR="9525" marT="9525" marB="0" anchor="b">
@@ -7824,7 +7836,7 @@
                     <a:p>
                       <a:pPr algn="l" fontAlgn="b"/>
                       <a:r>
-                        <a:rPr lang="en-US" sz="2000" b="0" i="0" u="none" strike="noStrike">
+                        <a:rPr lang="en-US" sz="2000" b="0" i="0" u="none" strike="noStrike" dirty="0" err="1">
                           <a:solidFill>
                             <a:srgbClr val="000000"/>
                           </a:solidFill>
@@ -7833,6 +7845,13 @@
                         </a:rPr>
                         <a:t>recurrent_network_augmented_transformer</a:t>
                       </a:r>
+                      <a:endParaRPr lang="en-US" sz="2000" b="0" i="0" u="none" strike="noStrike" dirty="0">
+                        <a:solidFill>
+                          <a:srgbClr val="000000"/>
+                        </a:solidFill>
+                        <a:effectLst/>
+                        <a:latin typeface="Calibri" panose="020F0502020204030204" pitchFamily="34" charset="0"/>
+                      </a:endParaRPr>
                     </a:p>
                   </a:txBody>
                   <a:tcPr marL="9525" marR="9525" marT="9525" marB="0" anchor="b">
@@ -8148,7 +8167,7 @@
                     <a:p>
                       <a:pPr algn="l" fontAlgn="b"/>
                       <a:r>
-                        <a:rPr lang="en-US" sz="2000" b="0" i="0" u="none" strike="noStrike">
+                        <a:rPr lang="en-US" sz="2000" b="0" i="0" u="none" strike="noStrike" dirty="0" err="1">
                           <a:solidFill>
                             <a:srgbClr val="000000"/>
                           </a:solidFill>
@@ -8157,6 +8176,13 @@
                         </a:rPr>
                         <a:t>ct_rnn</a:t>
                       </a:r>
+                      <a:endParaRPr lang="en-US" sz="2000" b="0" i="0" u="none" strike="noStrike" dirty="0">
+                        <a:solidFill>
+                          <a:srgbClr val="000000"/>
+                        </a:solidFill>
+                        <a:effectLst/>
+                        <a:latin typeface="Calibri" panose="020F0502020204030204" pitchFamily="34" charset="0"/>
+                      </a:endParaRPr>
                     </a:p>
                   </a:txBody>
                   <a:tcPr marL="9525" marR="9525" marT="9525" marB="0" anchor="b">
@@ -8311,7 +8337,7 @@
                     <a:p>
                       <a:pPr algn="l" fontAlgn="b"/>
                       <a:r>
-                        <a:rPr lang="en-US" sz="2000" b="0" i="0" u="none" strike="noStrike">
+                        <a:rPr lang="en-US" sz="2000" b="0" i="0" u="none" strike="noStrike" dirty="0">
                           <a:solidFill>
                             <a:srgbClr val="000000"/>
                           </a:solidFill>
@@ -8362,7 +8388,7 @@
                     <a:p>
                       <a:pPr algn="r" fontAlgn="b"/>
                       <a:r>
-                        <a:rPr lang="en-AT" sz="2000" b="0" i="0" u="none" strike="noStrike">
+                        <a:rPr lang="en-AT" sz="2000" b="0" i="0" u="none" strike="noStrike" dirty="0">
                           <a:solidFill>
                             <a:srgbClr val="000000"/>
                           </a:solidFill>
@@ -8628,7 +8654,7 @@
                     <a:p>
                       <a:pPr algn="l" fontAlgn="b"/>
                       <a:r>
-                        <a:rPr lang="en-US" sz="2000" b="0" i="0" u="none" strike="noStrike">
+                        <a:rPr lang="en-US" sz="2000" b="0" i="0" u="none" strike="noStrike" dirty="0" err="1">
                           <a:solidFill>
                             <a:srgbClr val="000000"/>
                           </a:solidFill>
@@ -8637,6 +8663,13 @@
                         </a:rPr>
                         <a:t>neural_circuit_policies</a:t>
                       </a:r>
+                      <a:endParaRPr lang="en-US" sz="2000" b="0" i="0" u="none" strike="noStrike" dirty="0">
+                        <a:solidFill>
+                          <a:srgbClr val="000000"/>
+                        </a:solidFill>
+                        <a:effectLst/>
+                        <a:latin typeface="Calibri" panose="020F0502020204030204" pitchFamily="34" charset="0"/>
+                      </a:endParaRPr>
                     </a:p>
                   </a:txBody>
                   <a:tcPr marL="9525" marR="9525" marT="9525" marB="0" anchor="b">
@@ -9693,7 +9726,7 @@
                     <a:p>
                       <a:pPr algn="l" fontAlgn="b"/>
                       <a:r>
-                        <a:rPr lang="en-US" sz="2000" b="0" i="0" u="none" strike="noStrike">
+                        <a:rPr lang="en-US" sz="2000" b="0" i="0" u="none" strike="noStrike" dirty="0" err="1">
                           <a:solidFill>
                             <a:srgbClr val="000000"/>
                           </a:solidFill>
@@ -9702,6 +9735,13 @@
                         </a:rPr>
                         <a:t>recurrent_network_attention_transformer</a:t>
                       </a:r>
+                      <a:endParaRPr lang="en-US" sz="2000" b="0" i="0" u="none" strike="noStrike" dirty="0">
+                        <a:solidFill>
+                          <a:srgbClr val="000000"/>
+                        </a:solidFill>
+                        <a:effectLst/>
+                        <a:latin typeface="Calibri" panose="020F0502020204030204" pitchFamily="34" charset="0"/>
+                      </a:endParaRPr>
                     </a:p>
                   </a:txBody>
                   <a:tcPr marL="9525" marR="9525" marT="9525" marB="0" anchor="b">
@@ -10238,7 +10278,7 @@
                     <a:p>
                       <a:pPr algn="r" fontAlgn="b"/>
                       <a:r>
-                        <a:rPr lang="en-AT" sz="2000" b="0" i="0" u="none" strike="noStrike">
+                        <a:rPr lang="en-AT" sz="2000" b="0" i="0" u="none" strike="noStrike" dirty="0">
                           <a:solidFill>
                             <a:srgbClr val="000000"/>
                           </a:solidFill>
@@ -10555,7 +10595,7 @@
                     <a:p>
                       <a:pPr algn="r" fontAlgn="b"/>
                       <a:r>
-                        <a:rPr lang="en-AT" sz="2000" b="0" i="0" u="none" strike="noStrike">
+                        <a:rPr lang="en-AT" sz="2000" b="0" i="0" u="none" strike="noStrike" dirty="0">
                           <a:solidFill>
                             <a:srgbClr val="000000"/>
                           </a:solidFill>
@@ -10767,7 +10807,7 @@
                     <a:p>
                       <a:pPr algn="r" fontAlgn="b"/>
                       <a:r>
-                        <a:rPr lang="en-AT" sz="2000" b="0" i="0" u="none" strike="noStrike">
+                        <a:rPr lang="en-AT" sz="2000" b="0" i="0" u="none" strike="noStrike" dirty="0">
                           <a:solidFill>
                             <a:srgbClr val="000000"/>
                           </a:solidFill>
@@ -11900,7 +11940,7 @@
                     <a:p>
                       <a:pPr algn="l" fontAlgn="b"/>
                       <a:r>
-                        <a:rPr lang="en-US" sz="2000" b="0" i="0" u="none" strike="noStrike">
+                        <a:rPr lang="en-US" sz="2000" b="0" i="0" u="none" strike="noStrike" dirty="0" err="1">
                           <a:solidFill>
                             <a:srgbClr val="000000"/>
                           </a:solidFill>
@@ -11909,6 +11949,13 @@
                         </a:rPr>
                         <a:t>memory_augmented_transformer</a:t>
                       </a:r>
+                      <a:endParaRPr lang="en-US" sz="2000" b="0" i="0" u="none" strike="noStrike" dirty="0">
+                        <a:solidFill>
+                          <a:srgbClr val="000000"/>
+                        </a:solidFill>
+                        <a:effectLst/>
+                        <a:latin typeface="Calibri" panose="020F0502020204030204" pitchFamily="34" charset="0"/>
+                      </a:endParaRPr>
                     </a:p>
                   </a:txBody>
                   <a:tcPr marL="9525" marR="9525" marT="9525" marB="0" anchor="b">
@@ -13338,7 +13385,7 @@
                     <a:p>
                       <a:pPr algn="l" fontAlgn="b"/>
                       <a:r>
-                        <a:rPr lang="en-US" sz="2000" b="0" i="0" u="none" strike="noStrike">
+                        <a:rPr lang="en-US" sz="2000" b="0" i="0" u="none" strike="noStrike" dirty="0" err="1">
                           <a:solidFill>
                             <a:srgbClr val="000000"/>
                           </a:solidFill>
@@ -13347,6 +13394,13 @@
                         </a:rPr>
                         <a:t>matrix_exponential_unitary_rnn</a:t>
                       </a:r>
+                      <a:endParaRPr lang="en-US" sz="2000" b="0" i="0" u="none" strike="noStrike" dirty="0">
+                        <a:solidFill>
+                          <a:srgbClr val="000000"/>
+                        </a:solidFill>
+                        <a:effectLst/>
+                        <a:latin typeface="Calibri" panose="020F0502020204030204" pitchFamily="34" charset="0"/>
+                      </a:endParaRPr>
                     </a:p>
                   </a:txBody>
                   <a:tcPr marL="9525" marR="9525" marT="9525" marB="0" anchor="b">
@@ -13851,7 +13905,12 @@
             <p:ph type="title"/>
           </p:nvPr>
         </p:nvSpPr>
-        <p:spPr/>
+        <p:spPr>
+          <a:xfrm>
+            <a:off x="704636" y="231560"/>
+            <a:ext cx="10515600" cy="1325563"/>
+          </a:xfrm>
+        </p:spPr>
         <p:txBody>
           <a:bodyPr/>
           <a:lstStyle/>
@@ -15160,7 +15219,7 @@
                     <a:p>
                       <a:pPr algn="r" fontAlgn="b"/>
                       <a:r>
-                        <a:rPr lang="en-AT" sz="2000" b="0" i="0" u="none" strike="noStrike">
+                        <a:rPr lang="en-AT" sz="2000" b="0" i="0" u="none" strike="noStrike" dirty="0">
                           <a:solidFill>
                             <a:srgbClr val="000000"/>
                           </a:solidFill>
@@ -18899,13 +18958,13 @@
           <p:nvPr>
             <p:extLst>
               <p:ext uri="{D42A27DB-BD31-4B8C-83A1-F6EECF244321}">
-                <p14:modId xmlns:p14="http://schemas.microsoft.com/office/powerpoint/2010/main" val="1491156041"/>
+                <p14:modId xmlns:p14="http://schemas.microsoft.com/office/powerpoint/2010/main" val="903928562"/>
               </p:ext>
             </p:extLst>
           </p:nvPr>
         </p:nvGraphicFramePr>
         <p:xfrm>
-          <a:off x="1130968" y="2893510"/>
+          <a:off x="1130968" y="2390076"/>
           <a:ext cx="9930063" cy="737938"/>
         </p:xfrm>
         <a:graphic>
@@ -18997,7 +19056,7 @@
                     <a:p>
                       <a:pPr algn="l" fontAlgn="b"/>
                       <a:r>
-                        <a:rPr lang="en-US" sz="2000" b="1" i="0" u="none" strike="noStrike">
+                        <a:rPr lang="en-US" sz="2000" b="1" i="0" u="none" strike="noStrike" dirty="0">
                           <a:solidFill>
                             <a:srgbClr val="FFFFFF"/>
                           </a:solidFill>
@@ -19106,7 +19165,7 @@
                     <a:p>
                       <a:pPr algn="l" fontAlgn="b"/>
                       <a:r>
-                        <a:rPr lang="en-US" sz="2000" b="0" i="0" u="none" strike="noStrike" dirty="0" err="1">
+                        <a:rPr lang="en-US" sz="2000" b="0" i="0" u="none" strike="noStrike" dirty="0">
                           <a:solidFill>
                             <a:srgbClr val="000000"/>
                           </a:solidFill>
@@ -19115,13 +19174,6 @@
                         </a:rPr>
                         <a:t>memory_cell</a:t>
                       </a:r>
-                      <a:endParaRPr lang="en-US" sz="2000" b="0" i="0" u="none" strike="noStrike" dirty="0">
-                        <a:solidFill>
-                          <a:srgbClr val="000000"/>
-                        </a:solidFill>
-                        <a:effectLst/>
-                        <a:latin typeface="Calibri" panose="020F0502020204030204" pitchFamily="34" charset="0"/>
-                      </a:endParaRPr>
                     </a:p>
                   </a:txBody>
                   <a:tcPr marL="9525" marR="9525" marT="9525" marB="0" anchor="b">
